--- a/ratika_analysis/Ratika Analysis Hypothesis Testing.pptx
+++ b/ratika_analysis/Ratika Analysis Hypothesis Testing.pptx
@@ -5,12 +5,13 @@
     <p:sldMasterId id="2147483648" r:id="rId1"/>
   </p:sldMasterIdLst>
   <p:sldIdLst>
-    <p:sldId id="257" r:id="rId2"/>
-    <p:sldId id="262" r:id="rId3"/>
-    <p:sldId id="263" r:id="rId4"/>
-    <p:sldId id="264" r:id="rId5"/>
-    <p:sldId id="265" r:id="rId6"/>
-    <p:sldId id="266" r:id="rId7"/>
+    <p:sldId id="267" r:id="rId2"/>
+    <p:sldId id="257" r:id="rId3"/>
+    <p:sldId id="262" r:id="rId4"/>
+    <p:sldId id="263" r:id="rId5"/>
+    <p:sldId id="264" r:id="rId6"/>
+    <p:sldId id="265" r:id="rId7"/>
+    <p:sldId id="266" r:id="rId8"/>
   </p:sldIdLst>
   <p:sldSz cx="12192000" cy="6858000"/>
   <p:notesSz cx="6858000" cy="9144000"/>
@@ -109,7 +110,24 @@
       </a:defRPr>
     </a:lvl9pPr>
   </p:defaultTextStyle>
+  <p:extLst>
+    <p:ext uri="{EFAFB233-063F-42B5-8137-9DF3F51BA10A}">
+      <p15:sldGuideLst xmlns:p15="http://schemas.microsoft.com/office/powerpoint/2012/main"/>
+    </p:ext>
+  </p:extLst>
 </p:presentation>
+</file>
+
+<file path=ppt/commentAuthors.xml><?xml version="1.0" encoding="utf-8"?>
+<p:cmAuthorLst xmlns:a="http://schemas.openxmlformats.org/drawingml/2006/main" xmlns:r="http://schemas.openxmlformats.org/officeDocument/2006/relationships" xmlns:p="http://schemas.openxmlformats.org/presentationml/2006/main">
+  <p:cmAuthor id="1" name="Chauhan, Ratika" initials="CR" lastIdx="3" clrIdx="0">
+    <p:extLst>
+      <p:ext uri="{19B8F6BF-5375-455C-9EA6-DF929625EA0E}">
+        <p15:presenceInfo xmlns:p15="http://schemas.microsoft.com/office/powerpoint/2012/main" userId="S::rchauhan@adler.edu::c8992ed5-bf2d-4205-add7-4672f175e96e" providerId="AD"/>
+      </p:ext>
+    </p:extLst>
+  </p:cmAuthor>
+</p:cmAuthorLst>
 </file>
 
 <file path=ppt/revisionInfo.xml><?xml version="1.0" encoding="utf-8"?>
@@ -1217,6 +1235,43 @@
     </pc:docChg>
   </pc:docChgLst>
 </pc:chgInfo>
+</file>
+
+<file path=ppt/comments/comment1.xml><?xml version="1.0" encoding="utf-8"?>
+<p:cmLst xmlns:a="http://schemas.openxmlformats.org/drawingml/2006/main" xmlns:r="http://schemas.openxmlformats.org/officeDocument/2006/relationships" xmlns:p="http://schemas.openxmlformats.org/presentationml/2006/main">
+  <p:cm authorId="1" dt="2021-08-11T18:20:39.438" idx="1">
+    <p:pos x="4539" y="1255"/>
+    <p:text>Seaborn Line chart shows mean by NOC with Confidance Interval</p:text>
+    <p:extLst>
+      <p:ext uri="{C676402C-5697-4E1C-873F-D02D1690AC5C}">
+        <p15:threadingInfo xmlns:p15="http://schemas.microsoft.com/office/powerpoint/2012/main" timeZoneBias="300"/>
+      </p:ext>
+    </p:extLst>
+  </p:cm>
+  <p:cm authorId="1" dt="2021-08-11T18:44:08.245" idx="2">
+    <p:pos x="43" y="30"/>
+    <p:text>Can remove the complete analysis slides. Depending on the scope we put for final slide</p:text>
+    <p:extLst>
+      <p:ext uri="{C676402C-5697-4E1C-873F-D02D1690AC5C}">
+        <p15:threadingInfo xmlns:p15="http://schemas.microsoft.com/office/powerpoint/2012/main" timeZoneBias="300"/>
+      </p:ext>
+    </p:extLst>
+  </p:cm>
+</p:cmLst>
+</file>
+
+<file path=ppt/comments/comment2.xml><?xml version="1.0" encoding="utf-8"?>
+<p:cmLst xmlns:a="http://schemas.openxmlformats.org/drawingml/2006/main" xmlns:r="http://schemas.openxmlformats.org/officeDocument/2006/relationships" xmlns:p="http://schemas.openxmlformats.org/presentationml/2006/main">
+  <p:cm authorId="1" dt="2021-08-11T18:45:27.727" idx="3">
+    <p:pos x="36" y="10"/>
+    <p:text>Can remove the complete analysis slides. Depending on the scope we put for final slide</p:text>
+    <p:extLst>
+      <p:ext uri="{C676402C-5697-4E1C-873F-D02D1690AC5C}">
+        <p15:threadingInfo xmlns:p15="http://schemas.microsoft.com/office/powerpoint/2012/main" timeZoneBias="300"/>
+      </p:ext>
+    </p:extLst>
+  </p:cm>
+</p:cmLst>
 </file>
 
 <file path=ppt/slideLayouts/slideLayout1.xml><?xml version="1.0" encoding="utf-8"?>
@@ -1366,7 +1421,7 @@
           <a:p>
             <a:fld id="{929B33F3-F43C-469A-94C1-137BDA6DA379}" type="datetimeFigureOut">
               <a:rPr lang="en-US" smtClean="0"/>
-              <a:t>8/10/2021</a:t>
+              <a:t>8/11/2021</a:t>
             </a:fld>
             <a:endParaRPr lang="en-US"/>
           </a:p>
@@ -1564,7 +1619,7 @@
           <a:p>
             <a:fld id="{929B33F3-F43C-469A-94C1-137BDA6DA379}" type="datetimeFigureOut">
               <a:rPr lang="en-US" smtClean="0"/>
-              <a:t>8/10/2021</a:t>
+              <a:t>8/11/2021</a:t>
             </a:fld>
             <a:endParaRPr lang="en-US"/>
           </a:p>
@@ -1772,7 +1827,7 @@
           <a:p>
             <a:fld id="{929B33F3-F43C-469A-94C1-137BDA6DA379}" type="datetimeFigureOut">
               <a:rPr lang="en-US" smtClean="0"/>
-              <a:t>8/10/2021</a:t>
+              <a:t>8/11/2021</a:t>
             </a:fld>
             <a:endParaRPr lang="en-US"/>
           </a:p>
@@ -1970,7 +2025,7 @@
           <a:p>
             <a:fld id="{929B33F3-F43C-469A-94C1-137BDA6DA379}" type="datetimeFigureOut">
               <a:rPr lang="en-US" smtClean="0"/>
-              <a:t>8/10/2021</a:t>
+              <a:t>8/11/2021</a:t>
             </a:fld>
             <a:endParaRPr lang="en-US"/>
           </a:p>
@@ -2245,7 +2300,7 @@
           <a:p>
             <a:fld id="{929B33F3-F43C-469A-94C1-137BDA6DA379}" type="datetimeFigureOut">
               <a:rPr lang="en-US" smtClean="0"/>
-              <a:t>8/10/2021</a:t>
+              <a:t>8/11/2021</a:t>
             </a:fld>
             <a:endParaRPr lang="en-US"/>
           </a:p>
@@ -2510,7 +2565,7 @@
           <a:p>
             <a:fld id="{929B33F3-F43C-469A-94C1-137BDA6DA379}" type="datetimeFigureOut">
               <a:rPr lang="en-US" smtClean="0"/>
-              <a:t>8/10/2021</a:t>
+              <a:t>8/11/2021</a:t>
             </a:fld>
             <a:endParaRPr lang="en-US"/>
           </a:p>
@@ -2922,7 +2977,7 @@
           <a:p>
             <a:fld id="{929B33F3-F43C-469A-94C1-137BDA6DA379}" type="datetimeFigureOut">
               <a:rPr lang="en-US" smtClean="0"/>
-              <a:t>8/10/2021</a:t>
+              <a:t>8/11/2021</a:t>
             </a:fld>
             <a:endParaRPr lang="en-US"/>
           </a:p>
@@ -3063,7 +3118,7 @@
           <a:p>
             <a:fld id="{929B33F3-F43C-469A-94C1-137BDA6DA379}" type="datetimeFigureOut">
               <a:rPr lang="en-US" smtClean="0"/>
-              <a:t>8/10/2021</a:t>
+              <a:t>8/11/2021</a:t>
             </a:fld>
             <a:endParaRPr lang="en-US"/>
           </a:p>
@@ -3176,7 +3231,7 @@
           <a:p>
             <a:fld id="{929B33F3-F43C-469A-94C1-137BDA6DA379}" type="datetimeFigureOut">
               <a:rPr lang="en-US" smtClean="0"/>
-              <a:t>8/10/2021</a:t>
+              <a:t>8/11/2021</a:t>
             </a:fld>
             <a:endParaRPr lang="en-US"/>
           </a:p>
@@ -3487,7 +3542,7 @@
           <a:p>
             <a:fld id="{929B33F3-F43C-469A-94C1-137BDA6DA379}" type="datetimeFigureOut">
               <a:rPr lang="en-US" smtClean="0"/>
-              <a:t>8/10/2021</a:t>
+              <a:t>8/11/2021</a:t>
             </a:fld>
             <a:endParaRPr lang="en-US"/>
           </a:p>
@@ -3775,7 +3830,7 @@
           <a:p>
             <a:fld id="{929B33F3-F43C-469A-94C1-137BDA6DA379}" type="datetimeFigureOut">
               <a:rPr lang="en-US" smtClean="0"/>
-              <a:t>8/10/2021</a:t>
+              <a:t>8/11/2021</a:t>
             </a:fld>
             <a:endParaRPr lang="en-US"/>
           </a:p>
@@ -4016,7 +4071,7 @@
           <a:p>
             <a:fld id="{929B33F3-F43C-469A-94C1-137BDA6DA379}" type="datetimeFigureOut">
               <a:rPr lang="en-US" smtClean="0"/>
-              <a:t>8/10/2021</a:t>
+              <a:t>8/11/2021</a:t>
             </a:fld>
             <a:endParaRPr lang="en-US"/>
           </a:p>
@@ -4438,15 +4493,15 @@
           <p:cNvPr id="2" name="Title 1">
             <a:extLst>
               <a:ext uri="{FF2B5EF4-FFF2-40B4-BE49-F238E27FC236}">
-                <a16:creationId xmlns:a16="http://schemas.microsoft.com/office/drawing/2014/main" id="{6CEB84C6-A333-433F-88AD-4E143BAE6676}"/>
-              </a:ext>
-            </a:extLst>
-          </p:cNvPr>
-          <p:cNvSpPr>
-            <a:spLocks noGrp="1"/>
-          </p:cNvSpPr>
-          <p:nvPr>
-            <p:ph type="ctrTitle"/>
+                <a16:creationId xmlns:a16="http://schemas.microsoft.com/office/drawing/2014/main" id="{BCD6A6ED-5007-4012-9555-6CA7B16DD256}"/>
+              </a:ext>
+            </a:extLst>
+          </p:cNvPr>
+          <p:cNvSpPr>
+            <a:spLocks noGrp="1"/>
+          </p:cNvSpPr>
+          <p:nvPr>
+            <p:ph type="title"/>
           </p:nvPr>
         </p:nvSpPr>
         <p:spPr/>
@@ -4456,25 +4511,25 @@
           <a:p>
             <a:r>
               <a:rPr lang="en-US" dirty="0"/>
-              <a:t>Hypothesis Testing</a:t>
-            </a:r>
-          </a:p>
-        </p:txBody>
-      </p:sp>
-      <p:sp>
-        <p:nvSpPr>
-          <p:cNvPr id="3" name="Subtitle 2">
-            <a:extLst>
-              <a:ext uri="{FF2B5EF4-FFF2-40B4-BE49-F238E27FC236}">
-                <a16:creationId xmlns:a16="http://schemas.microsoft.com/office/drawing/2014/main" id="{0200635A-4AF4-4AF5-B80A-2C917A8AD529}"/>
-              </a:ext>
-            </a:extLst>
-          </p:cNvPr>
-          <p:cNvSpPr>
-            <a:spLocks noGrp="1"/>
-          </p:cNvSpPr>
-          <p:nvPr>
-            <p:ph type="subTitle" idx="1"/>
+              <a:t>Data source - Dataset</a:t>
+            </a:r>
+          </a:p>
+        </p:txBody>
+      </p:sp>
+      <p:sp>
+        <p:nvSpPr>
+          <p:cNvPr id="3" name="Content Placeholder 2">
+            <a:extLst>
+              <a:ext uri="{FF2B5EF4-FFF2-40B4-BE49-F238E27FC236}">
+                <a16:creationId xmlns:a16="http://schemas.microsoft.com/office/drawing/2014/main" id="{0357ABC1-02AC-47A9-B5CF-8D74426BEEFE}"/>
+              </a:ext>
+            </a:extLst>
+          </p:cNvPr>
+          <p:cNvSpPr>
+            <a:spLocks noGrp="1"/>
+          </p:cNvSpPr>
+          <p:nvPr>
+            <p:ph idx="1"/>
           </p:nvPr>
         </p:nvSpPr>
         <p:spPr/>
@@ -4482,9 +4537,59 @@
           <a:bodyPr/>
           <a:lstStyle/>
           <a:p>
+            <a:pPr marL="514350" indent="-514350">
+              <a:buAutoNum type="arabicPeriod"/>
+            </a:pPr>
             <a:r>
               <a:rPr lang="en-US" dirty="0"/>
-              <a:t>T – Test</a:t>
+              <a:t>120-years-of-olympic-history-athletes-and-results - </a:t>
+            </a:r>
+            <a:r>
+              <a:rPr lang="en-US" dirty="0" err="1">
+                <a:hlinkClick r:id="rId2"/>
+              </a:rPr>
+              <a:t>kaggle</a:t>
+            </a:r>
+            <a:endParaRPr lang="en-US" dirty="0"/>
+          </a:p>
+          <a:p>
+            <a:pPr marL="971550" lvl="1" indent="-514350">
+              <a:buAutoNum type="arabicPeriod"/>
+            </a:pPr>
+            <a:r>
+              <a:rPr lang="en-US" b="0" i="0" dirty="0">
+                <a:solidFill>
+                  <a:srgbClr val="008ABC"/>
+                </a:solidFill>
+                <a:effectLst/>
+                <a:latin typeface="Inter"/>
+              </a:rPr>
+              <a:t>athlete_events.csv</a:t>
+            </a:r>
+          </a:p>
+          <a:p>
+            <a:pPr marL="971550" lvl="1" indent="-514350">
+              <a:buAutoNum type="arabicPeriod"/>
+            </a:pPr>
+            <a:r>
+              <a:rPr lang="en-US" b="0" i="0" dirty="0">
+                <a:solidFill>
+                  <a:srgbClr val="008ABC"/>
+                </a:solidFill>
+                <a:effectLst/>
+                <a:latin typeface="Inter"/>
+              </a:rPr>
+              <a:t>noc_regions.csv</a:t>
+            </a:r>
+            <a:endParaRPr lang="en-US" dirty="0"/>
+          </a:p>
+          <a:p>
+            <a:pPr marL="0" indent="0">
+              <a:buNone/>
+            </a:pPr>
+            <a:r>
+              <a:rPr lang="en-US" dirty="0"/>
+              <a:t>	</a:t>
             </a:r>
           </a:p>
         </p:txBody>
@@ -4492,7 +4597,7 @@
     </p:spTree>
     <p:extLst>
       <p:ext uri="{BB962C8B-B14F-4D97-AF65-F5344CB8AC3E}">
-        <p14:creationId xmlns:p14="http://schemas.microsoft.com/office/powerpoint/2010/main" val="1631053250"/>
+        <p14:creationId xmlns:p14="http://schemas.microsoft.com/office/powerpoint/2010/main" val="2730442492"/>
       </p:ext>
     </p:extLst>
   </p:cSld>
@@ -4524,239 +4629,61 @@
           <p:cNvPr id="2" name="Title 1">
             <a:extLst>
               <a:ext uri="{FF2B5EF4-FFF2-40B4-BE49-F238E27FC236}">
-                <a16:creationId xmlns:a16="http://schemas.microsoft.com/office/drawing/2014/main" id="{A8CAD10E-2577-4BC7-A69F-3A62D76BA5E0}"/>
-              </a:ext>
-            </a:extLst>
-          </p:cNvPr>
-          <p:cNvSpPr>
-            <a:spLocks noGrp="1"/>
-          </p:cNvSpPr>
-          <p:nvPr>
-            <p:ph type="title"/>
-          </p:nvPr>
-        </p:nvSpPr>
-        <p:spPr>
-          <a:xfrm>
-            <a:off x="838200" y="265540"/>
-            <a:ext cx="8182266" cy="715878"/>
-          </a:xfrm>
-        </p:spPr>
-        <p:txBody>
-          <a:bodyPr>
-            <a:normAutofit/>
-          </a:bodyPr>
+                <a16:creationId xmlns:a16="http://schemas.microsoft.com/office/drawing/2014/main" id="{6CEB84C6-A333-433F-88AD-4E143BAE6676}"/>
+              </a:ext>
+            </a:extLst>
+          </p:cNvPr>
+          <p:cNvSpPr>
+            <a:spLocks noGrp="1"/>
+          </p:cNvSpPr>
+          <p:nvPr>
+            <p:ph type="ctrTitle"/>
+          </p:nvPr>
+        </p:nvSpPr>
+        <p:spPr/>
+        <p:txBody>
+          <a:bodyPr/>
           <a:lstStyle/>
           <a:p>
-            <a:pPr algn="ctr"/>
-            <a:r>
-              <a:rPr lang="en-US" sz="3100" b="1" dirty="0"/>
-              <a:t>Compete Analysis– Future Analysis</a:t>
-            </a:r>
-            <a:br>
+            <a:r>
               <a:rPr lang="en-US" dirty="0"/>
-            </a:br>
-            <a:r>
-              <a:rPr lang="en-US" sz="1300" b="1" dirty="0"/>
-              <a:t>Soviet Union  Vs. Russia /Former Soviet States</a:t>
-            </a:r>
-          </a:p>
-        </p:txBody>
-      </p:sp>
-      <p:sp>
-        <p:nvSpPr>
-          <p:cNvPr id="3" name="Content Placeholder 2">
-            <a:extLst>
-              <a:ext uri="{FF2B5EF4-FFF2-40B4-BE49-F238E27FC236}">
-                <a16:creationId xmlns:a16="http://schemas.microsoft.com/office/drawing/2014/main" id="{44A75978-FBA8-4C92-BE46-B48991488551}"/>
-              </a:ext>
-            </a:extLst>
-          </p:cNvPr>
-          <p:cNvSpPr>
-            <a:spLocks noGrp="1"/>
-          </p:cNvSpPr>
-          <p:nvPr>
-            <p:ph idx="1"/>
-          </p:nvPr>
-        </p:nvSpPr>
-        <p:spPr>
-          <a:xfrm>
-            <a:off x="237065" y="1109008"/>
-            <a:ext cx="8859601" cy="575859"/>
-          </a:xfrm>
-        </p:spPr>
-        <p:txBody>
-          <a:bodyPr>
-            <a:normAutofit/>
-          </a:bodyPr>
+              <a:t>Hypothesis Testing</a:t>
+            </a:r>
+          </a:p>
+        </p:txBody>
+      </p:sp>
+      <p:sp>
+        <p:nvSpPr>
+          <p:cNvPr id="3" name="Subtitle 2">
+            <a:extLst>
+              <a:ext uri="{FF2B5EF4-FFF2-40B4-BE49-F238E27FC236}">
+                <a16:creationId xmlns:a16="http://schemas.microsoft.com/office/drawing/2014/main" id="{0200635A-4AF4-4AF5-B80A-2C917A8AD529}"/>
+              </a:ext>
+            </a:extLst>
+          </p:cNvPr>
+          <p:cNvSpPr>
+            <a:spLocks noGrp="1"/>
+          </p:cNvSpPr>
+          <p:nvPr>
+            <p:ph type="subTitle" idx="1"/>
+          </p:nvPr>
+        </p:nvSpPr>
+        <p:spPr/>
+        <p:txBody>
+          <a:bodyPr/>
           <a:lstStyle/>
           <a:p>
             <a:r>
-              <a:rPr lang="en-US" sz="1200" b="1" dirty="0"/>
-              <a:t>Scope of our project is narrowed down to analyze the impact of dissolution on the performance of Russia in Olympics before and after 1992 .</a:t>
-            </a:r>
-          </a:p>
-        </p:txBody>
-      </p:sp>
-      <p:sp>
-        <p:nvSpPr>
-          <p:cNvPr id="13" name="TextBox 12">
-            <a:extLst>
-              <a:ext uri="{FF2B5EF4-FFF2-40B4-BE49-F238E27FC236}">
-                <a16:creationId xmlns:a16="http://schemas.microsoft.com/office/drawing/2014/main" id="{96D7D7E8-1FED-496A-95E2-756D43FF8C48}"/>
-              </a:ext>
-            </a:extLst>
-          </p:cNvPr>
-          <p:cNvSpPr txBox="1"/>
-          <p:nvPr/>
-        </p:nvSpPr>
-        <p:spPr>
-          <a:xfrm>
-            <a:off x="237065" y="6176963"/>
-            <a:ext cx="11769861" cy="415498"/>
-          </a:xfrm>
-          <a:prstGeom prst="rect">
-            <a:avLst/>
-          </a:prstGeom>
-          <a:noFill/>
-        </p:spPr>
-        <p:txBody>
-          <a:bodyPr wrap="square">
-            <a:spAutoFit/>
-          </a:bodyPr>
-          <a:lstStyle/>
-          <a:p>
-            <a:r>
-              <a:rPr lang="en-US" sz="1050" dirty="0"/>
-              <a:t>#The former Soviet states referred as </a:t>
-            </a:r>
-            <a:r>
-              <a:rPr lang="en-US" sz="1050" b="1" dirty="0"/>
-              <a:t>OTHERS</a:t>
-            </a:r>
-            <a:r>
-              <a:rPr lang="en-US" sz="1050" dirty="0"/>
-              <a:t>  are Armenia, Azerbaijan, Belarus, Estonia, Georgia, Kazakhstan, Kyrgyzstan, Latvia, Lithuania, Moldova, Tajikistan, Turkmenistan, Ukraine and Uzbekistan</a:t>
-            </a:r>
-          </a:p>
-          <a:p>
-            <a:r>
-              <a:rPr lang="en-US" sz="1050" dirty="0" err="1"/>
-              <a:t>other_counties_list</a:t>
-            </a:r>
-            <a:r>
-              <a:rPr lang="en-US" sz="1050" dirty="0"/>
-              <a:t>= ['ARM','MDA','EST','LAT','LTU','GEO','AZE','TJK','KGZ','BLR','UZB','TKM','UKR','KAZ']</a:t>
-            </a:r>
-          </a:p>
-        </p:txBody>
-      </p:sp>
-      <p:pic>
-        <p:nvPicPr>
-          <p:cNvPr id="15" name="Picture 14">
-            <a:extLst>
-              <a:ext uri="{FF2B5EF4-FFF2-40B4-BE49-F238E27FC236}">
-                <a16:creationId xmlns:a16="http://schemas.microsoft.com/office/drawing/2014/main" id="{7A4B2FFF-FA38-4F6B-AE07-B9567F4F21A1}"/>
-              </a:ext>
-            </a:extLst>
-          </p:cNvPr>
-          <p:cNvPicPr>
-            <a:picLocks noChangeAspect="1"/>
-          </p:cNvPicPr>
-          <p:nvPr/>
-        </p:nvPicPr>
-        <p:blipFill>
-          <a:blip r:embed="rId2"/>
-          <a:stretch>
-            <a:fillRect/>
-          </a:stretch>
-        </p:blipFill>
-        <p:spPr>
-          <a:xfrm>
-            <a:off x="9096666" y="0"/>
-            <a:ext cx="2986460" cy="6176963"/>
-          </a:xfrm>
-          <a:prstGeom prst="rect">
-            <a:avLst/>
-          </a:prstGeom>
-        </p:spPr>
-      </p:pic>
-      <p:pic>
-        <p:nvPicPr>
-          <p:cNvPr id="17" name="Picture 16">
-            <a:extLst>
-              <a:ext uri="{FF2B5EF4-FFF2-40B4-BE49-F238E27FC236}">
-                <a16:creationId xmlns:a16="http://schemas.microsoft.com/office/drawing/2014/main" id="{1ACB1225-770A-4696-847C-9B0A5D96920C}"/>
-              </a:ext>
-            </a:extLst>
-          </p:cNvPr>
-          <p:cNvPicPr>
-            <a:picLocks noChangeAspect="1"/>
-          </p:cNvPicPr>
-          <p:nvPr/>
-        </p:nvPicPr>
-        <p:blipFill>
-          <a:blip r:embed="rId3"/>
-          <a:stretch>
-            <a:fillRect/>
-          </a:stretch>
-        </p:blipFill>
-        <p:spPr>
-          <a:xfrm>
-            <a:off x="634212" y="1684867"/>
-            <a:ext cx="8065308" cy="3790256"/>
-          </a:xfrm>
-          <a:prstGeom prst="rect">
-            <a:avLst/>
-          </a:prstGeom>
-        </p:spPr>
-      </p:pic>
-      <p:sp>
-        <p:nvSpPr>
-          <p:cNvPr id="27" name="TextBox 26">
-            <a:extLst>
-              <a:ext uri="{FF2B5EF4-FFF2-40B4-BE49-F238E27FC236}">
-                <a16:creationId xmlns:a16="http://schemas.microsoft.com/office/drawing/2014/main" id="{F6A756F0-BD10-4582-8557-A46F28F89A34}"/>
-              </a:ext>
-            </a:extLst>
-          </p:cNvPr>
-          <p:cNvSpPr txBox="1"/>
-          <p:nvPr/>
-        </p:nvSpPr>
-        <p:spPr>
-          <a:xfrm>
-            <a:off x="237065" y="5589317"/>
-            <a:ext cx="8542867" cy="461665"/>
-          </a:xfrm>
-          <a:prstGeom prst="rect">
-            <a:avLst/>
-          </a:prstGeom>
-          <a:noFill/>
-        </p:spPr>
-        <p:txBody>
-          <a:bodyPr wrap="square">
-            <a:spAutoFit/>
-          </a:bodyPr>
-          <a:lstStyle/>
-          <a:p>
-            <a:r>
-              <a:rPr lang="en-US" sz="1200" dirty="0"/>
-              <a:t>Did the dissolution impact the participation rate and total medals won by  Soviet Union as a team vs. Russia / Former Soviet States.</a:t>
-            </a:r>
-          </a:p>
-          <a:p>
-            <a:pPr lvl="1"/>
-            <a:r>
-              <a:rPr lang="en-US" sz="1200" dirty="0"/>
-              <a:t>The athlete's participation went up, but the number of medals went down after 1992 Olympics</a:t>
-            </a:r>
-            <a:endParaRPr lang="en-US" sz="1200" b="1" dirty="0"/>
+              <a:rPr lang="en-US" dirty="0"/>
+              <a:t>T – Test</a:t>
+            </a:r>
           </a:p>
         </p:txBody>
       </p:sp>
     </p:spTree>
     <p:extLst>
       <p:ext uri="{BB962C8B-B14F-4D97-AF65-F5344CB8AC3E}">
-        <p14:creationId xmlns:p14="http://schemas.microsoft.com/office/powerpoint/2010/main" val="3708264816"/>
+        <p14:creationId xmlns:p14="http://schemas.microsoft.com/office/powerpoint/2010/main" val="1631053250"/>
       </p:ext>
     </p:extLst>
   </p:cSld>
@@ -4788,7 +4715,7 @@
           <p:cNvPr id="2" name="Title 1">
             <a:extLst>
               <a:ext uri="{FF2B5EF4-FFF2-40B4-BE49-F238E27FC236}">
-                <a16:creationId xmlns:a16="http://schemas.microsoft.com/office/drawing/2014/main" id="{638CD5F4-9393-4116-AE91-449274F1D4AA}"/>
+                <a16:creationId xmlns:a16="http://schemas.microsoft.com/office/drawing/2014/main" id="{A8CAD10E-2577-4BC7-A69F-3A62D76BA5E0}"/>
               </a:ext>
             </a:extLst>
           </p:cNvPr>
@@ -4801,49 +4728,76 @@
         </p:nvSpPr>
         <p:spPr>
           <a:xfrm>
-            <a:off x="990599" y="220134"/>
-            <a:ext cx="10258647" cy="1045140"/>
+            <a:off x="838200" y="265540"/>
+            <a:ext cx="8182266" cy="715878"/>
           </a:xfrm>
         </p:spPr>
         <p:txBody>
-          <a:bodyPr vert="horz" lIns="91440" tIns="45720" rIns="91440" bIns="45720" rtlCol="0" anchor="b">
+          <a:bodyPr>
             <a:normAutofit/>
           </a:bodyPr>
           <a:lstStyle/>
           <a:p>
             <a:pPr algn="ctr"/>
             <a:r>
-              <a:rPr lang="en-US" sz="5400" dirty="0"/>
-              <a:t>Complete Analysis - </a:t>
-            </a:r>
-            <a:r>
-              <a:rPr lang="en-US" sz="5400" dirty="0" err="1"/>
-              <a:t>TTest</a:t>
+              <a:rPr lang="en-US" sz="3100" b="1" dirty="0"/>
+              <a:t>Compete Analysis– Future Analysis</a:t>
             </a:r>
             <a:br>
-              <a:rPr lang="en-US" sz="5400" dirty="0"/>
+              <a:rPr lang="en-US" dirty="0"/>
             </a:br>
             <a:r>
               <a:rPr lang="en-US" sz="1300" b="1" dirty="0"/>
-              <a:t>Soviet Union  Vs. </a:t>
-            </a:r>
-            <a:r>
-              <a:rPr lang="en-US" sz="1300" b="1"/>
-              <a:t>Russia /Former </a:t>
-            </a:r>
-            <a:r>
-              <a:rPr lang="en-US" sz="1300" b="1" dirty="0"/>
-              <a:t>Soviet States</a:t>
-            </a:r>
-          </a:p>
-        </p:txBody>
-      </p:sp>
-      <p:sp>
-        <p:nvSpPr>
-          <p:cNvPr id="28" name="TextBox 27">
-            <a:extLst>
-              <a:ext uri="{FF2B5EF4-FFF2-40B4-BE49-F238E27FC236}">
-                <a16:creationId xmlns:a16="http://schemas.microsoft.com/office/drawing/2014/main" id="{6C26FCB6-C396-4FE1-B75F-060525F2EDF6}"/>
+              <a:t>Soviet Union  Vs. Russia /Former Soviet States</a:t>
+            </a:r>
+          </a:p>
+        </p:txBody>
+      </p:sp>
+      <p:sp>
+        <p:nvSpPr>
+          <p:cNvPr id="3" name="Content Placeholder 2">
+            <a:extLst>
+              <a:ext uri="{FF2B5EF4-FFF2-40B4-BE49-F238E27FC236}">
+                <a16:creationId xmlns:a16="http://schemas.microsoft.com/office/drawing/2014/main" id="{44A75978-FBA8-4C92-BE46-B48991488551}"/>
+              </a:ext>
+            </a:extLst>
+          </p:cNvPr>
+          <p:cNvSpPr>
+            <a:spLocks noGrp="1"/>
+          </p:cNvSpPr>
+          <p:nvPr>
+            <p:ph idx="1"/>
+          </p:nvPr>
+        </p:nvSpPr>
+        <p:spPr>
+          <a:xfrm>
+            <a:off x="237065" y="1109008"/>
+            <a:ext cx="8859601" cy="575859"/>
+          </a:xfrm>
+        </p:spPr>
+        <p:txBody>
+          <a:bodyPr>
+            <a:normAutofit/>
+          </a:bodyPr>
+          <a:lstStyle/>
+          <a:p>
+            <a:pPr>
+              <a:buFont typeface="Wingdings" panose="05000000000000000000" pitchFamily="2" charset="2"/>
+              <a:buChar char="Ø"/>
+            </a:pPr>
+            <a:r>
+              <a:rPr lang="en-US" sz="1200" b="1" dirty="0"/>
+              <a:t>Scope of our project is narrowed down to analyze the impact of dissolution on the performance of Russia in Olympics before and after 1992 .</a:t>
+            </a:r>
+          </a:p>
+        </p:txBody>
+      </p:sp>
+      <p:sp>
+        <p:nvSpPr>
+          <p:cNvPr id="13" name="TextBox 12">
+            <a:extLst>
+              <a:ext uri="{FF2B5EF4-FFF2-40B4-BE49-F238E27FC236}">
+                <a16:creationId xmlns:a16="http://schemas.microsoft.com/office/drawing/2014/main" id="{96D7D7E8-1FED-496A-95E2-756D43FF8C48}"/>
               </a:ext>
             </a:extLst>
           </p:cNvPr>
@@ -4852,8 +4806,8 @@
         </p:nvSpPr>
         <p:spPr>
           <a:xfrm>
-            <a:off x="371831" y="1620549"/>
-            <a:ext cx="11496182" cy="1200329"/>
+            <a:off x="237065" y="6176963"/>
+            <a:ext cx="11769861" cy="415498"/>
           </a:xfrm>
           <a:prstGeom prst="rect">
             <a:avLst/>
@@ -4867,112 +4821,36 @@
           <a:lstStyle/>
           <a:p>
             <a:r>
-              <a:rPr lang="en-US" sz="1200" kern="1200" dirty="0">
-                <a:solidFill>
-                  <a:schemeClr val="tx1"/>
-                </a:solidFill>
-                <a:latin typeface="+mj-lt"/>
-                <a:ea typeface="+mj-ea"/>
-                <a:cs typeface="+mj-cs"/>
-              </a:rPr>
-              <a:t>1</a:t>
-            </a:r>
-            <a:r>
-              <a:rPr lang="en-US" sz="1200" b="1" kern="1200" dirty="0">
-                <a:solidFill>
-                  <a:schemeClr val="tx1"/>
-                </a:solidFill>
-                <a:latin typeface="+mj-lt"/>
-                <a:ea typeface="+mj-ea"/>
-                <a:cs typeface="+mj-cs"/>
-              </a:rPr>
-              <a:t>. Did the dissolution impact the athlete’s participation in Olympics before and after 1992?</a:t>
-            </a:r>
-          </a:p>
-          <a:p>
-            <a:pPr lvl="1"/>
-            <a:r>
-              <a:rPr lang="en-US" sz="1200" b="1" dirty="0">
-                <a:latin typeface="+mj-lt"/>
-                <a:ea typeface="+mj-ea"/>
-                <a:cs typeface="+mj-cs"/>
-              </a:rPr>
-              <a:t>Athlete Participation Analysis : </a:t>
-            </a:r>
-            <a:r>
-              <a:rPr lang="en-US" sz="1200" dirty="0">
-                <a:latin typeface="+mj-lt"/>
-                <a:ea typeface="+mj-ea"/>
-                <a:cs typeface="+mj-cs"/>
-              </a:rPr>
-              <a:t>The average participation of athletes went up drastically. The t-test shows p-value of 0.0095 indicating strong evidence against the null hypothesis and therefore we can reject the Null hypothesis and accept alternate hypothesis </a:t>
-            </a:r>
-            <a:endParaRPr lang="en-US" sz="1200" kern="1200" dirty="0">
-              <a:solidFill>
-                <a:schemeClr val="tx1"/>
-              </a:solidFill>
-              <a:latin typeface="+mj-lt"/>
-              <a:ea typeface="+mj-ea"/>
-              <a:cs typeface="+mj-cs"/>
-            </a:endParaRPr>
-          </a:p>
-          <a:p>
-            <a:r>
-              <a:rPr lang="en-US" sz="1200" b="0" i="0" kern="1200" dirty="0">
-                <a:solidFill>
-                  <a:schemeClr val="tx1"/>
-                </a:solidFill>
-                <a:effectLst/>
-                <a:latin typeface="+mj-lt"/>
-                <a:ea typeface="+mj-ea"/>
-                <a:cs typeface="+mj-cs"/>
-              </a:rPr>
-              <a:t>2. </a:t>
-            </a:r>
-            <a:r>
-              <a:rPr lang="en-US" sz="1200" b="1" i="0" kern="1200" dirty="0">
-                <a:solidFill>
-                  <a:schemeClr val="tx1"/>
-                </a:solidFill>
-                <a:effectLst/>
-                <a:latin typeface="+mj-lt"/>
-                <a:ea typeface="+mj-ea"/>
-                <a:cs typeface="+mj-cs"/>
-              </a:rPr>
-              <a:t>Did the dissolution impact the total number of medals before and after 1992</a:t>
-            </a:r>
-            <a:r>
-              <a:rPr lang="en-US" sz="1200" b="1" kern="1200" dirty="0">
-                <a:solidFill>
-                  <a:schemeClr val="tx1"/>
-                </a:solidFill>
-                <a:latin typeface="+mj-lt"/>
-                <a:ea typeface="+mj-ea"/>
-                <a:cs typeface="+mj-cs"/>
-              </a:rPr>
-              <a:t>?</a:t>
-            </a:r>
-            <a:endParaRPr lang="en-US" sz="1200" b="1" dirty="0"/>
-          </a:p>
-          <a:p>
-            <a:pPr lvl="1"/>
-            <a:r>
-              <a:rPr lang="en-US" sz="1200" b="1" dirty="0"/>
-              <a:t>Medals won Analysis </a:t>
-            </a:r>
-            <a:r>
-              <a:rPr lang="en-US" sz="1200" dirty="0"/>
-              <a:t>: The p-value for medal analysis is 0.003 .It indicates evidence against the null hypothesis, as there is less than a 5% probability the null is correct (and the results are random). Therefore, we reject the null hypothesis, and accept the alternative hypothesis for our further analysis</a:t>
+              <a:rPr lang="en-US" sz="1050" dirty="0"/>
+              <a:t>#The former Soviet states referred as </a:t>
+            </a:r>
+            <a:r>
+              <a:rPr lang="en-US" sz="1050" b="1" dirty="0"/>
+              <a:t>OTHERS</a:t>
+            </a:r>
+            <a:r>
+              <a:rPr lang="en-US" sz="1050" dirty="0"/>
+              <a:t>  are Armenia, Azerbaijan, Belarus, Estonia, Georgia, Kazakhstan, Kyrgyzstan, Latvia, Lithuania, Moldova, Tajikistan, Turkmenistan, Ukraine and Uzbekistan</a:t>
+            </a:r>
+          </a:p>
+          <a:p>
+            <a:r>
+              <a:rPr lang="en-US" sz="1050" dirty="0" err="1"/>
+              <a:t>other_counties_list</a:t>
+            </a:r>
+            <a:r>
+              <a:rPr lang="en-US" sz="1050" dirty="0"/>
+              <a:t>= ['ARM','MDA','EST','LAT','LTU','GEO','AZE','TJK','KGZ','BLR','UZB','TKM','UKR','KAZ']</a:t>
             </a:r>
           </a:p>
         </p:txBody>
       </p:sp>
       <p:pic>
         <p:nvPicPr>
-          <p:cNvPr id="6" name="Picture 5">
-            <a:extLst>
-              <a:ext uri="{FF2B5EF4-FFF2-40B4-BE49-F238E27FC236}">
-                <a16:creationId xmlns:a16="http://schemas.microsoft.com/office/drawing/2014/main" id="{56BD51F3-280C-4DE1-823E-42270A71A9AD}"/>
+          <p:cNvPr id="15" name="Picture 14">
+            <a:extLst>
+              <a:ext uri="{FF2B5EF4-FFF2-40B4-BE49-F238E27FC236}">
+                <a16:creationId xmlns:a16="http://schemas.microsoft.com/office/drawing/2014/main" id="{7A4B2FFF-FA38-4F6B-AE07-B9567F4F21A1}"/>
               </a:ext>
             </a:extLst>
           </p:cNvPr>
@@ -4989,20 +4867,66 @@
         </p:blipFill>
         <p:spPr>
           <a:xfrm>
-            <a:off x="634517" y="3022230"/>
-            <a:ext cx="5253951" cy="2519752"/>
+            <a:off x="9096666" y="0"/>
+            <a:ext cx="2986460" cy="6176963"/>
           </a:xfrm>
           <a:prstGeom prst="rect">
             <a:avLst/>
           </a:prstGeom>
         </p:spPr>
       </p:pic>
+      <p:sp>
+        <p:nvSpPr>
+          <p:cNvPr id="27" name="TextBox 26">
+            <a:extLst>
+              <a:ext uri="{FF2B5EF4-FFF2-40B4-BE49-F238E27FC236}">
+                <a16:creationId xmlns:a16="http://schemas.microsoft.com/office/drawing/2014/main" id="{F6A756F0-BD10-4582-8557-A46F28F89A34}"/>
+              </a:ext>
+            </a:extLst>
+          </p:cNvPr>
+          <p:cNvSpPr txBox="1"/>
+          <p:nvPr/>
+        </p:nvSpPr>
+        <p:spPr>
+          <a:xfrm>
+            <a:off x="237065" y="5589317"/>
+            <a:ext cx="8542867" cy="461665"/>
+          </a:xfrm>
+          <a:prstGeom prst="rect">
+            <a:avLst/>
+          </a:prstGeom>
+          <a:noFill/>
+        </p:spPr>
+        <p:txBody>
+          <a:bodyPr wrap="square">
+            <a:spAutoFit/>
+          </a:bodyPr>
+          <a:lstStyle/>
+          <a:p>
+            <a:r>
+              <a:rPr lang="en-US" sz="1200" dirty="0"/>
+              <a:t>Did the dissolution impact the participation rate and total medals won by  Soviet Union as a team vs. Russia / Former Soviet States.</a:t>
+            </a:r>
+          </a:p>
+          <a:p>
+            <a:pPr marL="628650" lvl="1" indent="-171450">
+              <a:buFont typeface="Arial" panose="020B0604020202020204" pitchFamily="34" charset="0"/>
+              <a:buChar char="•"/>
+            </a:pPr>
+            <a:r>
+              <a:rPr lang="en-US" sz="1200" dirty="0"/>
+              <a:t>The athlete's participation went up, but the number of medals went down after 1992 Olympics</a:t>
+            </a:r>
+            <a:endParaRPr lang="en-US" sz="1200" b="1" dirty="0"/>
+          </a:p>
+        </p:txBody>
+      </p:sp>
       <p:pic>
         <p:nvPicPr>
-          <p:cNvPr id="8" name="Picture 7">
-            <a:extLst>
-              <a:ext uri="{FF2B5EF4-FFF2-40B4-BE49-F238E27FC236}">
-                <a16:creationId xmlns:a16="http://schemas.microsoft.com/office/drawing/2014/main" id="{72144414-7640-4D66-9F2B-DDA00369D281}"/>
+          <p:cNvPr id="7" name="Picture 6">
+            <a:extLst>
+              <a:ext uri="{FF2B5EF4-FFF2-40B4-BE49-F238E27FC236}">
+                <a16:creationId xmlns:a16="http://schemas.microsoft.com/office/drawing/2014/main" id="{F7B1F151-D9D0-480F-8113-E9F9C75BFB3E}"/>
               </a:ext>
             </a:extLst>
           </p:cNvPr>
@@ -5019,232 +4943,48 @@
         </p:blipFill>
         <p:spPr>
           <a:xfrm>
-            <a:off x="6119922" y="2949631"/>
-            <a:ext cx="5857804" cy="2592351"/>
+            <a:off x="1047219" y="1508391"/>
+            <a:ext cx="6457167" cy="3102228"/>
           </a:xfrm>
           <a:prstGeom prst="rect">
             <a:avLst/>
           </a:prstGeom>
         </p:spPr>
       </p:pic>
-      <p:sp>
-        <p:nvSpPr>
-          <p:cNvPr id="18" name="TextBox 17">
-            <a:extLst>
-              <a:ext uri="{FF2B5EF4-FFF2-40B4-BE49-F238E27FC236}">
-                <a16:creationId xmlns:a16="http://schemas.microsoft.com/office/drawing/2014/main" id="{FEB853AD-EE55-4ED0-9FA1-B34BE38456BC}"/>
-              </a:ext>
-            </a:extLst>
-          </p:cNvPr>
-          <p:cNvSpPr txBox="1"/>
+      <p:pic>
+        <p:nvPicPr>
+          <p:cNvPr id="11" name="Picture 10">
+            <a:extLst>
+              <a:ext uri="{FF2B5EF4-FFF2-40B4-BE49-F238E27FC236}">
+                <a16:creationId xmlns:a16="http://schemas.microsoft.com/office/drawing/2014/main" id="{F5F74EB3-3658-4329-9737-FF637E13FAB6}"/>
+              </a:ext>
+            </a:extLst>
+          </p:cNvPr>
+          <p:cNvPicPr>
+            <a:picLocks noChangeAspect="1"/>
+          </p:cNvPicPr>
           <p:nvPr/>
-        </p:nvSpPr>
+        </p:nvPicPr>
+        <p:blipFill>
+          <a:blip r:embed="rId4"/>
+          <a:stretch>
+            <a:fillRect/>
+          </a:stretch>
+        </p:blipFill>
         <p:spPr>
           <a:xfrm>
-            <a:off x="634517" y="5863716"/>
-            <a:ext cx="11343209" cy="830997"/>
+            <a:off x="6275865" y="4524332"/>
+            <a:ext cx="2495291" cy="1163784"/>
           </a:xfrm>
           <a:prstGeom prst="rect">
             <a:avLst/>
           </a:prstGeom>
-          <a:noFill/>
         </p:spPr>
-        <p:txBody>
-          <a:bodyPr wrap="square">
-            <a:spAutoFit/>
-          </a:bodyPr>
-          <a:lstStyle/>
-          <a:p>
-            <a:r>
-              <a:rPr lang="en-US" sz="1200" i="1" dirty="0" err="1">
-                <a:solidFill>
-                  <a:schemeClr val="accent1">
-                    <a:lumMod val="75000"/>
-                  </a:schemeClr>
-                </a:solidFill>
-              </a:rPr>
-              <a:t>complete_noc_list</a:t>
-            </a:r>
-            <a:r>
-              <a:rPr lang="en-US" sz="1200" i="1" dirty="0">
-                <a:solidFill>
-                  <a:schemeClr val="accent1">
-                    <a:lumMod val="75000"/>
-                  </a:schemeClr>
-                </a:solidFill>
-              </a:rPr>
-              <a:t> = ['URS','EUN','RUS','ARM','MDA','EST','LAT','LTU','GEO','AZE','TJK','KGZ','BLR','UZB','TKM','UKR','KAZ’]</a:t>
-            </a:r>
-          </a:p>
-          <a:p>
-            <a:endParaRPr lang="en-US" sz="1200" i="1" dirty="0">
-              <a:solidFill>
-                <a:schemeClr val="accent1">
-                  <a:lumMod val="75000"/>
-                </a:schemeClr>
-              </a:solidFill>
-            </a:endParaRPr>
-          </a:p>
-          <a:p>
-            <a:r>
-              <a:rPr lang="en-US" sz="1200" i="1" dirty="0">
-                <a:solidFill>
-                  <a:schemeClr val="accent1">
-                    <a:lumMod val="75000"/>
-                  </a:schemeClr>
-                </a:solidFill>
-              </a:rPr>
-              <a:t>#Includes Soviet Union, Russia and other countries part of former USSR</a:t>
-            </a:r>
-          </a:p>
-          <a:p>
-            <a:r>
-              <a:rPr lang="en-US" sz="1200" i="1" dirty="0" err="1">
-                <a:solidFill>
-                  <a:schemeClr val="accent1">
-                    <a:lumMod val="75000"/>
-                  </a:schemeClr>
-                </a:solidFill>
-              </a:rPr>
-              <a:t>complete_subset_df</a:t>
-            </a:r>
-            <a:r>
-              <a:rPr lang="en-US" sz="1200" i="1" dirty="0">
-                <a:solidFill>
-                  <a:schemeClr val="accent1">
-                    <a:lumMod val="75000"/>
-                  </a:schemeClr>
-                </a:solidFill>
-              </a:rPr>
-              <a:t> =</a:t>
-            </a:r>
-            <a:r>
-              <a:rPr lang="en-US" sz="1200" i="1" dirty="0" err="1">
-                <a:solidFill>
-                  <a:schemeClr val="accent1">
-                    <a:lumMod val="75000"/>
-                  </a:schemeClr>
-                </a:solidFill>
-              </a:rPr>
-              <a:t>olympics_dataset</a:t>
-            </a:r>
-            <a:r>
-              <a:rPr lang="en-US" sz="1200" i="1" dirty="0">
-                <a:solidFill>
-                  <a:schemeClr val="accent1">
-                    <a:lumMod val="75000"/>
-                  </a:schemeClr>
-                </a:solidFill>
-              </a:rPr>
-              <a:t>[</a:t>
-            </a:r>
-            <a:r>
-              <a:rPr lang="en-US" sz="1200" i="1" dirty="0" err="1">
-                <a:solidFill>
-                  <a:schemeClr val="accent1">
-                    <a:lumMod val="75000"/>
-                  </a:schemeClr>
-                </a:solidFill>
-              </a:rPr>
-              <a:t>olympics_dataset</a:t>
-            </a:r>
-            <a:r>
-              <a:rPr lang="en-US" sz="1200" i="1" dirty="0">
-                <a:solidFill>
-                  <a:schemeClr val="accent1">
-                    <a:lumMod val="75000"/>
-                  </a:schemeClr>
-                </a:solidFill>
-              </a:rPr>
-              <a:t>['NOC'].</a:t>
-            </a:r>
-            <a:r>
-              <a:rPr lang="en-US" sz="1200" i="1" dirty="0" err="1">
-                <a:solidFill>
-                  <a:schemeClr val="accent1">
-                    <a:lumMod val="75000"/>
-                  </a:schemeClr>
-                </a:solidFill>
-              </a:rPr>
-              <a:t>isin</a:t>
-            </a:r>
-            <a:r>
-              <a:rPr lang="en-US" sz="1200" i="1" dirty="0">
-                <a:solidFill>
-                  <a:schemeClr val="accent1">
-                    <a:lumMod val="75000"/>
-                  </a:schemeClr>
-                </a:solidFill>
-              </a:rPr>
-              <a:t>(</a:t>
-            </a:r>
-            <a:r>
-              <a:rPr lang="en-US" sz="1200" i="1" dirty="0" err="1">
-                <a:solidFill>
-                  <a:schemeClr val="accent1">
-                    <a:lumMod val="75000"/>
-                  </a:schemeClr>
-                </a:solidFill>
-              </a:rPr>
-              <a:t>complete_noc_list</a:t>
-            </a:r>
-            <a:r>
-              <a:rPr lang="en-US" sz="1200" i="1" dirty="0">
-                <a:solidFill>
-                  <a:schemeClr val="accent1">
-                    <a:lumMod val="75000"/>
-                  </a:schemeClr>
-                </a:solidFill>
-              </a:rPr>
-              <a:t>) &amp; (</a:t>
-            </a:r>
-            <a:r>
-              <a:rPr lang="en-US" sz="1200" i="1" dirty="0" err="1">
-                <a:solidFill>
-                  <a:schemeClr val="accent1">
-                    <a:lumMod val="75000"/>
-                  </a:schemeClr>
-                </a:solidFill>
-              </a:rPr>
-              <a:t>olympics_dataset</a:t>
-            </a:r>
-            <a:r>
-              <a:rPr lang="en-US" sz="1200" i="1" dirty="0">
-                <a:solidFill>
-                  <a:schemeClr val="accent1">
-                    <a:lumMod val="75000"/>
-                  </a:schemeClr>
-                </a:solidFill>
-              </a:rPr>
-              <a:t>['Year'] &gt;= 1956) &amp; (</a:t>
-            </a:r>
-            <a:r>
-              <a:rPr lang="en-US" sz="1200" i="1" dirty="0" err="1">
-                <a:solidFill>
-                  <a:schemeClr val="accent1">
-                    <a:lumMod val="75000"/>
-                  </a:schemeClr>
-                </a:solidFill>
-              </a:rPr>
-              <a:t>olympics_dataset</a:t>
-            </a:r>
-            <a:r>
-              <a:rPr lang="en-US" sz="1200" i="1" dirty="0">
-                <a:solidFill>
-                  <a:schemeClr val="accent1">
-                    <a:lumMod val="75000"/>
-                  </a:schemeClr>
-                </a:solidFill>
-              </a:rPr>
-              <a:t>['Year'] &lt;= 2012)]</a:t>
-            </a:r>
-          </a:p>
-        </p:txBody>
-      </p:sp>
+      </p:pic>
     </p:spTree>
     <p:extLst>
       <p:ext uri="{BB962C8B-B14F-4D97-AF65-F5344CB8AC3E}">
-        <p14:creationId xmlns:p14="http://schemas.microsoft.com/office/powerpoint/2010/main" val="3069352956"/>
+        <p14:creationId xmlns:p14="http://schemas.microsoft.com/office/powerpoint/2010/main" val="3708264816"/>
       </p:ext>
     </p:extLst>
   </p:cSld>
@@ -5276,7 +5016,7 @@
           <p:cNvPr id="2" name="Title 1">
             <a:extLst>
               <a:ext uri="{FF2B5EF4-FFF2-40B4-BE49-F238E27FC236}">
-                <a16:creationId xmlns:a16="http://schemas.microsoft.com/office/drawing/2014/main" id="{A8CAD10E-2577-4BC7-A69F-3A62D76BA5E0}"/>
+                <a16:creationId xmlns:a16="http://schemas.microsoft.com/office/drawing/2014/main" id="{638CD5F4-9393-4116-AE91-449274F1D4AA}"/>
               </a:ext>
             </a:extLst>
           </p:cNvPr>
@@ -5289,72 +5029,178 @@
         </p:nvSpPr>
         <p:spPr>
           <a:xfrm>
-            <a:off x="838200" y="265540"/>
-            <a:ext cx="8182266" cy="715878"/>
+            <a:off x="990599" y="220134"/>
+            <a:ext cx="10258647" cy="1045140"/>
           </a:xfrm>
         </p:spPr>
         <p:txBody>
-          <a:bodyPr>
+          <a:bodyPr vert="horz" lIns="91440" tIns="45720" rIns="91440" bIns="45720" rtlCol="0" anchor="b">
             <a:normAutofit/>
           </a:bodyPr>
           <a:lstStyle/>
           <a:p>
             <a:pPr algn="ctr"/>
             <a:r>
-              <a:rPr lang="en-US" sz="3100" b="1" dirty="0"/>
-              <a:t>Project Scope Analysis</a:t>
+              <a:rPr lang="en-US" sz="5400" dirty="0"/>
+              <a:t>Complete Analysis - </a:t>
+            </a:r>
+            <a:r>
+              <a:rPr lang="en-US" sz="5400" dirty="0" err="1"/>
+              <a:t>TTest</a:t>
             </a:r>
             <a:br>
-              <a:rPr lang="en-US" dirty="0"/>
+              <a:rPr lang="en-US" sz="5400" dirty="0"/>
             </a:br>
             <a:r>
               <a:rPr lang="en-US" sz="1300" b="1" dirty="0"/>
-              <a:t>Soviet Union  and Russia</a:t>
-            </a:r>
-          </a:p>
-        </p:txBody>
-      </p:sp>
-      <p:sp>
-        <p:nvSpPr>
-          <p:cNvPr id="3" name="Content Placeholder 2">
-            <a:extLst>
-              <a:ext uri="{FF2B5EF4-FFF2-40B4-BE49-F238E27FC236}">
-                <a16:creationId xmlns:a16="http://schemas.microsoft.com/office/drawing/2014/main" id="{44A75978-FBA8-4C92-BE46-B48991488551}"/>
-              </a:ext>
-            </a:extLst>
-          </p:cNvPr>
-          <p:cNvSpPr>
-            <a:spLocks noGrp="1"/>
-          </p:cNvSpPr>
-          <p:nvPr>
-            <p:ph idx="1"/>
-          </p:nvPr>
+              <a:t>Soviet Union  Vs. </a:t>
+            </a:r>
+            <a:r>
+              <a:rPr lang="en-US" sz="1300" b="1"/>
+              <a:t>Russia /Former </a:t>
+            </a:r>
+            <a:r>
+              <a:rPr lang="en-US" sz="1300" b="1" dirty="0"/>
+              <a:t>Soviet States</a:t>
+            </a:r>
+          </a:p>
+        </p:txBody>
+      </p:sp>
+      <p:sp>
+        <p:nvSpPr>
+          <p:cNvPr id="28" name="TextBox 27">
+            <a:extLst>
+              <a:ext uri="{FF2B5EF4-FFF2-40B4-BE49-F238E27FC236}">
+                <a16:creationId xmlns:a16="http://schemas.microsoft.com/office/drawing/2014/main" id="{6C26FCB6-C396-4FE1-B75F-060525F2EDF6}"/>
+              </a:ext>
+            </a:extLst>
+          </p:cNvPr>
+          <p:cNvSpPr txBox="1"/>
+          <p:nvPr/>
         </p:nvSpPr>
         <p:spPr>
           <a:xfrm>
-            <a:off x="237065" y="1109008"/>
-            <a:ext cx="8859601" cy="1022519"/>
+            <a:off x="371831" y="1620549"/>
+            <a:ext cx="11496182" cy="1200329"/>
           </a:xfrm>
+          <a:prstGeom prst="rect">
+            <a:avLst/>
+          </a:prstGeom>
+          <a:noFill/>
         </p:spPr>
         <p:txBody>
-          <a:bodyPr>
-            <a:normAutofit/>
+          <a:bodyPr wrap="square">
+            <a:spAutoFit/>
           </a:bodyPr>
           <a:lstStyle/>
           <a:p>
             <a:r>
+              <a:rPr lang="en-US" sz="1200" kern="1200" dirty="0">
+                <a:solidFill>
+                  <a:schemeClr val="tx1"/>
+                </a:solidFill>
+                <a:latin typeface="+mj-lt"/>
+                <a:ea typeface="+mj-ea"/>
+                <a:cs typeface="+mj-cs"/>
+              </a:rPr>
+              <a:t>1</a:t>
+            </a:r>
+            <a:r>
+              <a:rPr lang="en-US" sz="1200" b="1" kern="1200" dirty="0">
+                <a:solidFill>
+                  <a:schemeClr val="tx1"/>
+                </a:solidFill>
+                <a:latin typeface="+mj-lt"/>
+                <a:ea typeface="+mj-ea"/>
+                <a:cs typeface="+mj-cs"/>
+              </a:rPr>
+              <a:t>. Did the dissolution impact the athlete’s participation in Olympics before and after 1992?</a:t>
+            </a:r>
+          </a:p>
+          <a:p>
+            <a:pPr lvl="1"/>
+            <a:r>
+              <a:rPr lang="en-US" sz="1200" b="1" dirty="0">
+                <a:latin typeface="+mj-lt"/>
+                <a:ea typeface="+mj-ea"/>
+                <a:cs typeface="+mj-cs"/>
+              </a:rPr>
+              <a:t>Athlete Participation Analysis : </a:t>
+            </a:r>
+            <a:r>
+              <a:rPr lang="en-US" sz="1200" dirty="0">
+                <a:latin typeface="+mj-lt"/>
+                <a:ea typeface="+mj-ea"/>
+                <a:cs typeface="+mj-cs"/>
+              </a:rPr>
+              <a:t>The average participation of athletes went up drastically. The t-test shows p-value of 0.0095 indicating strong evidence against the null hypothesis and therefore we can reject the Null hypothesis and accept alternate hypothesis </a:t>
+            </a:r>
+            <a:endParaRPr lang="en-US" sz="1200" kern="1200" dirty="0">
+              <a:solidFill>
+                <a:schemeClr val="tx1"/>
+              </a:solidFill>
+              <a:latin typeface="+mj-lt"/>
+              <a:ea typeface="+mj-ea"/>
+              <a:cs typeface="+mj-cs"/>
+            </a:endParaRPr>
+          </a:p>
+          <a:p>
+            <a:r>
+              <a:rPr lang="en-US" sz="1200" b="0" i="0" kern="1200" dirty="0">
+                <a:solidFill>
+                  <a:schemeClr val="tx1"/>
+                </a:solidFill>
+                <a:effectLst/>
+                <a:latin typeface="+mj-lt"/>
+                <a:ea typeface="+mj-ea"/>
+                <a:cs typeface="+mj-cs"/>
+              </a:rPr>
+              <a:t>2. </a:t>
+            </a:r>
+            <a:r>
+              <a:rPr lang="en-US" sz="1200" b="1" i="0" kern="1200" dirty="0">
+                <a:solidFill>
+                  <a:schemeClr val="tx1"/>
+                </a:solidFill>
+                <a:effectLst/>
+                <a:latin typeface="+mj-lt"/>
+                <a:ea typeface="+mj-ea"/>
+                <a:cs typeface="+mj-cs"/>
+              </a:rPr>
+              <a:t>Did the dissolution impact the total number of medals before and after 1992</a:t>
+            </a:r>
+            <a:r>
+              <a:rPr lang="en-US" sz="1200" b="1" kern="1200" dirty="0">
+                <a:solidFill>
+                  <a:schemeClr val="tx1"/>
+                </a:solidFill>
+                <a:latin typeface="+mj-lt"/>
+                <a:ea typeface="+mj-ea"/>
+                <a:cs typeface="+mj-cs"/>
+              </a:rPr>
+              <a:t>?</a:t>
+            </a:r>
+            <a:endParaRPr lang="en-US" sz="1200" b="1" dirty="0"/>
+          </a:p>
+          <a:p>
+            <a:pPr lvl="1"/>
+            <a:r>
               <a:rPr lang="en-US" sz="1200" b="1" dirty="0"/>
-              <a:t>Scope of our project is narrowed down to analyze the impact of dissolution on the performance of Russia in Olympics before and after 1992 .</a:t>
+              <a:t>Medals won Analysis </a:t>
+            </a:r>
+            <a:r>
+              <a:rPr lang="en-US" sz="1200" dirty="0"/>
+              <a:t>: The p-value for medal analysis is 0.003 .It indicates evidence against the null hypothesis, as there is less than a 5% probability the null is correct (and the results are random). Therefore, we reject the null hypothesis, and accept the alternative hypothesis for our further analysis</a:t>
             </a:r>
           </a:p>
         </p:txBody>
       </p:sp>
       <p:pic>
         <p:nvPicPr>
-          <p:cNvPr id="5" name="Picture 4">
-            <a:extLst>
-              <a:ext uri="{FF2B5EF4-FFF2-40B4-BE49-F238E27FC236}">
-                <a16:creationId xmlns:a16="http://schemas.microsoft.com/office/drawing/2014/main" id="{C404FE89-BEE4-4181-A69C-CA602333D660}"/>
+          <p:cNvPr id="6" name="Picture 5">
+            <a:extLst>
+              <a:ext uri="{FF2B5EF4-FFF2-40B4-BE49-F238E27FC236}">
+                <a16:creationId xmlns:a16="http://schemas.microsoft.com/office/drawing/2014/main" id="{56BD51F3-280C-4DE1-823E-42270A71A9AD}"/>
               </a:ext>
             </a:extLst>
           </p:cNvPr>
@@ -5371,8 +5217,8 @@
         </p:blipFill>
         <p:spPr>
           <a:xfrm>
-            <a:off x="9178001" y="1109008"/>
-            <a:ext cx="2828925" cy="4124325"/>
+            <a:off x="634517" y="3022230"/>
+            <a:ext cx="5253951" cy="2519752"/>
           </a:xfrm>
           <a:prstGeom prst="rect">
             <a:avLst/>
@@ -5381,10 +5227,10 @@
       </p:pic>
       <p:pic>
         <p:nvPicPr>
-          <p:cNvPr id="9" name="Picture 8">
-            <a:extLst>
-              <a:ext uri="{FF2B5EF4-FFF2-40B4-BE49-F238E27FC236}">
-                <a16:creationId xmlns:a16="http://schemas.microsoft.com/office/drawing/2014/main" id="{61B55630-6FCE-4CA5-99AD-5E5C8790F930}"/>
+          <p:cNvPr id="8" name="Picture 7">
+            <a:extLst>
+              <a:ext uri="{FF2B5EF4-FFF2-40B4-BE49-F238E27FC236}">
+                <a16:creationId xmlns:a16="http://schemas.microsoft.com/office/drawing/2014/main" id="{72144414-7640-4D66-9F2B-DDA00369D281}"/>
               </a:ext>
             </a:extLst>
           </p:cNvPr>
@@ -5401,78 +5247,232 @@
         </p:blipFill>
         <p:spPr>
           <a:xfrm>
-            <a:off x="1357458" y="2375663"/>
-            <a:ext cx="7143750" cy="2571750"/>
+            <a:off x="6119922" y="2949631"/>
+            <a:ext cx="5857804" cy="2592351"/>
           </a:xfrm>
           <a:prstGeom prst="rect">
             <a:avLst/>
           </a:prstGeom>
         </p:spPr>
       </p:pic>
-      <p:pic>
-        <p:nvPicPr>
-          <p:cNvPr id="14" name="Picture 13">
-            <a:extLst>
-              <a:ext uri="{FF2B5EF4-FFF2-40B4-BE49-F238E27FC236}">
-                <a16:creationId xmlns:a16="http://schemas.microsoft.com/office/drawing/2014/main" id="{AB85010E-E2F1-426B-BE72-3429731D3AAF}"/>
-              </a:ext>
-            </a:extLst>
-          </p:cNvPr>
-          <p:cNvPicPr>
-            <a:picLocks noChangeAspect="1"/>
-          </p:cNvPicPr>
+      <p:sp>
+        <p:nvSpPr>
+          <p:cNvPr id="18" name="TextBox 17">
+            <a:extLst>
+              <a:ext uri="{FF2B5EF4-FFF2-40B4-BE49-F238E27FC236}">
+                <a16:creationId xmlns:a16="http://schemas.microsoft.com/office/drawing/2014/main" id="{FEB853AD-EE55-4ED0-9FA1-B34BE38456BC}"/>
+              </a:ext>
+            </a:extLst>
+          </p:cNvPr>
+          <p:cNvSpPr txBox="1"/>
           <p:nvPr/>
-        </p:nvPicPr>
-        <p:blipFill>
-          <a:blip r:embed="rId4"/>
-          <a:stretch>
-            <a:fillRect/>
-          </a:stretch>
-        </p:blipFill>
+        </p:nvSpPr>
         <p:spPr>
           <a:xfrm>
-            <a:off x="2695720" y="5233333"/>
-            <a:ext cx="4467225" cy="400050"/>
+            <a:off x="634517" y="5863716"/>
+            <a:ext cx="11343209" cy="830997"/>
           </a:xfrm>
           <a:prstGeom prst="rect">
             <a:avLst/>
           </a:prstGeom>
+          <a:noFill/>
         </p:spPr>
-      </p:pic>
-      <p:pic>
-        <p:nvPicPr>
-          <p:cNvPr id="16" name="Picture 15">
-            <a:extLst>
-              <a:ext uri="{FF2B5EF4-FFF2-40B4-BE49-F238E27FC236}">
-                <a16:creationId xmlns:a16="http://schemas.microsoft.com/office/drawing/2014/main" id="{F20B003F-8E5A-41B1-9157-3C4F3EC94D44}"/>
-              </a:ext>
-            </a:extLst>
-          </p:cNvPr>
-          <p:cNvPicPr>
-            <a:picLocks noChangeAspect="1"/>
-          </p:cNvPicPr>
-          <p:nvPr/>
-        </p:nvPicPr>
-        <p:blipFill>
-          <a:blip r:embed="rId5"/>
-          <a:stretch>
-            <a:fillRect/>
-          </a:stretch>
-        </p:blipFill>
-        <p:spPr>
-          <a:xfrm>
-            <a:off x="2695720" y="5887405"/>
-            <a:ext cx="5148509" cy="449558"/>
-          </a:xfrm>
-          <a:prstGeom prst="rect">
-            <a:avLst/>
-          </a:prstGeom>
-        </p:spPr>
-      </p:pic>
+        <p:txBody>
+          <a:bodyPr wrap="square">
+            <a:spAutoFit/>
+          </a:bodyPr>
+          <a:lstStyle/>
+          <a:p>
+            <a:r>
+              <a:rPr lang="en-US" sz="1200" i="1" dirty="0" err="1">
+                <a:solidFill>
+                  <a:schemeClr val="accent1">
+                    <a:lumMod val="75000"/>
+                  </a:schemeClr>
+                </a:solidFill>
+              </a:rPr>
+              <a:t>complete_noc_list</a:t>
+            </a:r>
+            <a:r>
+              <a:rPr lang="en-US" sz="1200" i="1" dirty="0">
+                <a:solidFill>
+                  <a:schemeClr val="accent1">
+                    <a:lumMod val="75000"/>
+                  </a:schemeClr>
+                </a:solidFill>
+              </a:rPr>
+              <a:t> = ['URS','EUN','RUS','ARM','MDA','EST','LAT','LTU','GEO','AZE','TJK','KGZ','BLR','UZB','TKM','UKR','KAZ’]</a:t>
+            </a:r>
+          </a:p>
+          <a:p>
+            <a:endParaRPr lang="en-US" sz="1200" i="1" dirty="0">
+              <a:solidFill>
+                <a:schemeClr val="accent1">
+                  <a:lumMod val="75000"/>
+                </a:schemeClr>
+              </a:solidFill>
+            </a:endParaRPr>
+          </a:p>
+          <a:p>
+            <a:r>
+              <a:rPr lang="en-US" sz="1200" i="1" dirty="0">
+                <a:solidFill>
+                  <a:schemeClr val="accent1">
+                    <a:lumMod val="75000"/>
+                  </a:schemeClr>
+                </a:solidFill>
+              </a:rPr>
+              <a:t>#Includes Soviet Union, Russia and other countries part of former USSR</a:t>
+            </a:r>
+          </a:p>
+          <a:p>
+            <a:r>
+              <a:rPr lang="en-US" sz="1200" i="1" dirty="0" err="1">
+                <a:solidFill>
+                  <a:schemeClr val="accent1">
+                    <a:lumMod val="75000"/>
+                  </a:schemeClr>
+                </a:solidFill>
+              </a:rPr>
+              <a:t>complete_subset_df</a:t>
+            </a:r>
+            <a:r>
+              <a:rPr lang="en-US" sz="1200" i="1" dirty="0">
+                <a:solidFill>
+                  <a:schemeClr val="accent1">
+                    <a:lumMod val="75000"/>
+                  </a:schemeClr>
+                </a:solidFill>
+              </a:rPr>
+              <a:t> =</a:t>
+            </a:r>
+            <a:r>
+              <a:rPr lang="en-US" sz="1200" i="1" dirty="0" err="1">
+                <a:solidFill>
+                  <a:schemeClr val="accent1">
+                    <a:lumMod val="75000"/>
+                  </a:schemeClr>
+                </a:solidFill>
+              </a:rPr>
+              <a:t>olympics_dataset</a:t>
+            </a:r>
+            <a:r>
+              <a:rPr lang="en-US" sz="1200" i="1" dirty="0">
+                <a:solidFill>
+                  <a:schemeClr val="accent1">
+                    <a:lumMod val="75000"/>
+                  </a:schemeClr>
+                </a:solidFill>
+              </a:rPr>
+              <a:t>[</a:t>
+            </a:r>
+            <a:r>
+              <a:rPr lang="en-US" sz="1200" i="1" dirty="0" err="1">
+                <a:solidFill>
+                  <a:schemeClr val="accent1">
+                    <a:lumMod val="75000"/>
+                  </a:schemeClr>
+                </a:solidFill>
+              </a:rPr>
+              <a:t>olympics_dataset</a:t>
+            </a:r>
+            <a:r>
+              <a:rPr lang="en-US" sz="1200" i="1" dirty="0">
+                <a:solidFill>
+                  <a:schemeClr val="accent1">
+                    <a:lumMod val="75000"/>
+                  </a:schemeClr>
+                </a:solidFill>
+              </a:rPr>
+              <a:t>['NOC'].</a:t>
+            </a:r>
+            <a:r>
+              <a:rPr lang="en-US" sz="1200" i="1" dirty="0" err="1">
+                <a:solidFill>
+                  <a:schemeClr val="accent1">
+                    <a:lumMod val="75000"/>
+                  </a:schemeClr>
+                </a:solidFill>
+              </a:rPr>
+              <a:t>isin</a:t>
+            </a:r>
+            <a:r>
+              <a:rPr lang="en-US" sz="1200" i="1" dirty="0">
+                <a:solidFill>
+                  <a:schemeClr val="accent1">
+                    <a:lumMod val="75000"/>
+                  </a:schemeClr>
+                </a:solidFill>
+              </a:rPr>
+              <a:t>(</a:t>
+            </a:r>
+            <a:r>
+              <a:rPr lang="en-US" sz="1200" i="1" dirty="0" err="1">
+                <a:solidFill>
+                  <a:schemeClr val="accent1">
+                    <a:lumMod val="75000"/>
+                  </a:schemeClr>
+                </a:solidFill>
+              </a:rPr>
+              <a:t>complete_noc_list</a:t>
+            </a:r>
+            <a:r>
+              <a:rPr lang="en-US" sz="1200" i="1" dirty="0">
+                <a:solidFill>
+                  <a:schemeClr val="accent1">
+                    <a:lumMod val="75000"/>
+                  </a:schemeClr>
+                </a:solidFill>
+              </a:rPr>
+              <a:t>) &amp; (</a:t>
+            </a:r>
+            <a:r>
+              <a:rPr lang="en-US" sz="1200" i="1" dirty="0" err="1">
+                <a:solidFill>
+                  <a:schemeClr val="accent1">
+                    <a:lumMod val="75000"/>
+                  </a:schemeClr>
+                </a:solidFill>
+              </a:rPr>
+              <a:t>olympics_dataset</a:t>
+            </a:r>
+            <a:r>
+              <a:rPr lang="en-US" sz="1200" i="1" dirty="0">
+                <a:solidFill>
+                  <a:schemeClr val="accent1">
+                    <a:lumMod val="75000"/>
+                  </a:schemeClr>
+                </a:solidFill>
+              </a:rPr>
+              <a:t>['Year'] &gt;= 1956) &amp; (</a:t>
+            </a:r>
+            <a:r>
+              <a:rPr lang="en-US" sz="1200" i="1" dirty="0" err="1">
+                <a:solidFill>
+                  <a:schemeClr val="accent1">
+                    <a:lumMod val="75000"/>
+                  </a:schemeClr>
+                </a:solidFill>
+              </a:rPr>
+              <a:t>olympics_dataset</a:t>
+            </a:r>
+            <a:r>
+              <a:rPr lang="en-US" sz="1200" i="1" dirty="0">
+                <a:solidFill>
+                  <a:schemeClr val="accent1">
+                    <a:lumMod val="75000"/>
+                  </a:schemeClr>
+                </a:solidFill>
+              </a:rPr>
+              <a:t>['Year'] &lt;= 2012)]</a:t>
+            </a:r>
+          </a:p>
+        </p:txBody>
+      </p:sp>
     </p:spTree>
     <p:extLst>
       <p:ext uri="{BB962C8B-B14F-4D97-AF65-F5344CB8AC3E}">
-        <p14:creationId xmlns:p14="http://schemas.microsoft.com/office/powerpoint/2010/main" val="768756081"/>
+        <p14:creationId xmlns:p14="http://schemas.microsoft.com/office/powerpoint/2010/main" val="3069352956"/>
       </p:ext>
     </p:extLst>
   </p:cSld>
@@ -5504,6 +5504,234 @@
           <p:cNvPr id="2" name="Title 1">
             <a:extLst>
               <a:ext uri="{FF2B5EF4-FFF2-40B4-BE49-F238E27FC236}">
+                <a16:creationId xmlns:a16="http://schemas.microsoft.com/office/drawing/2014/main" id="{A8CAD10E-2577-4BC7-A69F-3A62D76BA5E0}"/>
+              </a:ext>
+            </a:extLst>
+          </p:cNvPr>
+          <p:cNvSpPr>
+            <a:spLocks noGrp="1"/>
+          </p:cNvSpPr>
+          <p:nvPr>
+            <p:ph type="title"/>
+          </p:nvPr>
+        </p:nvSpPr>
+        <p:spPr>
+          <a:xfrm>
+            <a:off x="838200" y="265540"/>
+            <a:ext cx="8182266" cy="715878"/>
+          </a:xfrm>
+        </p:spPr>
+        <p:txBody>
+          <a:bodyPr>
+            <a:normAutofit/>
+          </a:bodyPr>
+          <a:lstStyle/>
+          <a:p>
+            <a:pPr algn="ctr"/>
+            <a:r>
+              <a:rPr lang="en-US" sz="3100" b="1" dirty="0"/>
+              <a:t>Project Scope Analysis</a:t>
+            </a:r>
+            <a:br>
+              <a:rPr lang="en-US" dirty="0"/>
+            </a:br>
+            <a:r>
+              <a:rPr lang="en-US" sz="1300" b="1" dirty="0"/>
+              <a:t>Soviet Union  and Russia</a:t>
+            </a:r>
+          </a:p>
+        </p:txBody>
+      </p:sp>
+      <p:sp>
+        <p:nvSpPr>
+          <p:cNvPr id="3" name="Content Placeholder 2">
+            <a:extLst>
+              <a:ext uri="{FF2B5EF4-FFF2-40B4-BE49-F238E27FC236}">
+                <a16:creationId xmlns:a16="http://schemas.microsoft.com/office/drawing/2014/main" id="{44A75978-FBA8-4C92-BE46-B48991488551}"/>
+              </a:ext>
+            </a:extLst>
+          </p:cNvPr>
+          <p:cNvSpPr>
+            <a:spLocks noGrp="1"/>
+          </p:cNvSpPr>
+          <p:nvPr>
+            <p:ph idx="1"/>
+          </p:nvPr>
+        </p:nvSpPr>
+        <p:spPr>
+          <a:xfrm>
+            <a:off x="237065" y="1109008"/>
+            <a:ext cx="8859601" cy="1022519"/>
+          </a:xfrm>
+        </p:spPr>
+        <p:txBody>
+          <a:bodyPr>
+            <a:normAutofit/>
+          </a:bodyPr>
+          <a:lstStyle/>
+          <a:p>
+            <a:r>
+              <a:rPr lang="en-US" sz="1200" b="1" dirty="0"/>
+              <a:t>Scope of our project is narrowed down to analyze the impact of dissolution on the performance of Russia in Olympics before and after 1992 .</a:t>
+            </a:r>
+          </a:p>
+        </p:txBody>
+      </p:sp>
+      <p:pic>
+        <p:nvPicPr>
+          <p:cNvPr id="5" name="Picture 4">
+            <a:extLst>
+              <a:ext uri="{FF2B5EF4-FFF2-40B4-BE49-F238E27FC236}">
+                <a16:creationId xmlns:a16="http://schemas.microsoft.com/office/drawing/2014/main" id="{C404FE89-BEE4-4181-A69C-CA602333D660}"/>
+              </a:ext>
+            </a:extLst>
+          </p:cNvPr>
+          <p:cNvPicPr>
+            <a:picLocks noChangeAspect="1"/>
+          </p:cNvPicPr>
+          <p:nvPr/>
+        </p:nvPicPr>
+        <p:blipFill>
+          <a:blip r:embed="rId2"/>
+          <a:stretch>
+            <a:fillRect/>
+          </a:stretch>
+        </p:blipFill>
+        <p:spPr>
+          <a:xfrm>
+            <a:off x="9178001" y="1109008"/>
+            <a:ext cx="2828925" cy="4124325"/>
+          </a:xfrm>
+          <a:prstGeom prst="rect">
+            <a:avLst/>
+          </a:prstGeom>
+        </p:spPr>
+      </p:pic>
+      <p:pic>
+        <p:nvPicPr>
+          <p:cNvPr id="14" name="Picture 13">
+            <a:extLst>
+              <a:ext uri="{FF2B5EF4-FFF2-40B4-BE49-F238E27FC236}">
+                <a16:creationId xmlns:a16="http://schemas.microsoft.com/office/drawing/2014/main" id="{AB85010E-E2F1-426B-BE72-3429731D3AAF}"/>
+              </a:ext>
+            </a:extLst>
+          </p:cNvPr>
+          <p:cNvPicPr>
+            <a:picLocks noChangeAspect="1"/>
+          </p:cNvPicPr>
+          <p:nvPr/>
+        </p:nvPicPr>
+        <p:blipFill>
+          <a:blip r:embed="rId3"/>
+          <a:stretch>
+            <a:fillRect/>
+          </a:stretch>
+        </p:blipFill>
+        <p:spPr>
+          <a:xfrm>
+            <a:off x="2695720" y="5233333"/>
+            <a:ext cx="4467225" cy="400050"/>
+          </a:xfrm>
+          <a:prstGeom prst="rect">
+            <a:avLst/>
+          </a:prstGeom>
+        </p:spPr>
+      </p:pic>
+      <p:pic>
+        <p:nvPicPr>
+          <p:cNvPr id="16" name="Picture 15">
+            <a:extLst>
+              <a:ext uri="{FF2B5EF4-FFF2-40B4-BE49-F238E27FC236}">
+                <a16:creationId xmlns:a16="http://schemas.microsoft.com/office/drawing/2014/main" id="{F20B003F-8E5A-41B1-9157-3C4F3EC94D44}"/>
+              </a:ext>
+            </a:extLst>
+          </p:cNvPr>
+          <p:cNvPicPr>
+            <a:picLocks noChangeAspect="1"/>
+          </p:cNvPicPr>
+          <p:nvPr/>
+        </p:nvPicPr>
+        <p:blipFill>
+          <a:blip r:embed="rId4"/>
+          <a:stretch>
+            <a:fillRect/>
+          </a:stretch>
+        </p:blipFill>
+        <p:spPr>
+          <a:xfrm>
+            <a:off x="2695720" y="5887405"/>
+            <a:ext cx="5148509" cy="449558"/>
+          </a:xfrm>
+          <a:prstGeom prst="rect">
+            <a:avLst/>
+          </a:prstGeom>
+        </p:spPr>
+      </p:pic>
+      <p:pic>
+        <p:nvPicPr>
+          <p:cNvPr id="6" name="Picture 5">
+            <a:extLst>
+              <a:ext uri="{FF2B5EF4-FFF2-40B4-BE49-F238E27FC236}">
+                <a16:creationId xmlns:a16="http://schemas.microsoft.com/office/drawing/2014/main" id="{6D4AAF87-EA91-441F-8681-1844F61658FC}"/>
+              </a:ext>
+            </a:extLst>
+          </p:cNvPr>
+          <p:cNvPicPr>
+            <a:picLocks noChangeAspect="1"/>
+          </p:cNvPicPr>
+          <p:nvPr/>
+        </p:nvPicPr>
+        <p:blipFill>
+          <a:blip r:embed="rId5"/>
+          <a:stretch>
+            <a:fillRect/>
+          </a:stretch>
+        </p:blipFill>
+        <p:spPr>
+          <a:xfrm>
+            <a:off x="1435629" y="1456670"/>
+            <a:ext cx="6848475" cy="3429000"/>
+          </a:xfrm>
+          <a:prstGeom prst="rect">
+            <a:avLst/>
+          </a:prstGeom>
+        </p:spPr>
+      </p:pic>
+    </p:spTree>
+    <p:extLst>
+      <p:ext uri="{BB962C8B-B14F-4D97-AF65-F5344CB8AC3E}">
+        <p14:creationId xmlns:p14="http://schemas.microsoft.com/office/powerpoint/2010/main" val="768756081"/>
+      </p:ext>
+    </p:extLst>
+  </p:cSld>
+  <p:clrMapOvr>
+    <a:masterClrMapping/>
+  </p:clrMapOvr>
+</p:sld>
+</file>
+
+<file path=ppt/slides/slide6.xml><?xml version="1.0" encoding="utf-8"?>
+<p:sld xmlns:a="http://schemas.openxmlformats.org/drawingml/2006/main" xmlns:r="http://schemas.openxmlformats.org/officeDocument/2006/relationships" xmlns:p="http://schemas.openxmlformats.org/presentationml/2006/main">
+  <p:cSld>
+    <p:spTree>
+      <p:nvGrpSpPr>
+        <p:cNvPr id="1" name=""/>
+        <p:cNvGrpSpPr/>
+        <p:nvPr/>
+      </p:nvGrpSpPr>
+      <p:grpSpPr>
+        <a:xfrm>
+          <a:off x="0" y="0"/>
+          <a:ext cx="0" cy="0"/>
+          <a:chOff x="0" y="0"/>
+          <a:chExt cx="0" cy="0"/>
+        </a:xfrm>
+      </p:grpSpPr>
+      <p:sp>
+        <p:nvSpPr>
+          <p:cNvPr id="2" name="Title 1">
+            <a:extLst>
+              <a:ext uri="{FF2B5EF4-FFF2-40B4-BE49-F238E27FC236}">
                 <a16:creationId xmlns:a16="http://schemas.microsoft.com/office/drawing/2014/main" id="{638CD5F4-9393-4116-AE91-449274F1D4AA}"/>
               </a:ext>
             </a:extLst>
@@ -5613,7 +5841,7 @@
                 <a:ea typeface="+mj-ea"/>
                 <a:cs typeface="+mj-cs"/>
               </a:rPr>
-              <a:t>The average athlete participation for Russia after dissolution is lower than that of URS, but this is understandable given that the data excludes other countries’ participation. The p-value of 0.034 in the t-test indicates that there is evidence against the null hypothesis, thus we can reject the null hypothesis and accept the alternate hypothesis.</a:t>
+              <a:t>The average athlete participation for Russia after dissolution is lower than that of URS, but this is understandable given that the data excludes other countries’ participation. The p-value of 0.034 in the t-test indicates that there is evidence against the null hypothesis, thus we can reject the null hypothesis and accept the alternate hypothesis for our further analysis.</a:t>
             </a:r>
             <a:endParaRPr lang="en-US" sz="1200" kern="1200" dirty="0">
               <a:solidFill>
@@ -5970,7 +6198,7 @@
 </p:sld>
 </file>
 
-<file path=ppt/slides/slide6.xml><?xml version="1.0" encoding="utf-8"?>
+<file path=ppt/slides/slide7.xml><?xml version="1.0" encoding="utf-8"?>
 <p:sld xmlns:a="http://schemas.openxmlformats.org/drawingml/2006/main" xmlns:r="http://schemas.openxmlformats.org/officeDocument/2006/relationships" xmlns:p="http://schemas.openxmlformats.org/presentationml/2006/main">
   <p:cSld>
     <p:spTree>
